--- a/ФИНАЛЬНЫЙ ПРОЕКТ.pptx
+++ b/ФИНАЛЬНЫЙ ПРОЕКТ.pptx
@@ -292,7 +292,7 @@
           <a:p>
             <a:fld id="{350F0C20-CFD3-4AF7-AEC7-88B2922CA2AF}" type="datetimeFigureOut">
               <a:rPr lang="ru-RU" smtClean="0"/>
-              <a:t>01.05.2024</a:t>
+              <a:t>02.05.2024</a:t>
             </a:fld>
             <a:endParaRPr lang="ru-RU"/>
           </a:p>
@@ -490,7 +490,7 @@
           <a:p>
             <a:fld id="{350F0C20-CFD3-4AF7-AEC7-88B2922CA2AF}" type="datetimeFigureOut">
               <a:rPr lang="ru-RU" smtClean="0"/>
-              <a:t>01.05.2024</a:t>
+              <a:t>02.05.2024</a:t>
             </a:fld>
             <a:endParaRPr lang="ru-RU"/>
           </a:p>
@@ -698,7 +698,7 @@
           <a:p>
             <a:fld id="{350F0C20-CFD3-4AF7-AEC7-88B2922CA2AF}" type="datetimeFigureOut">
               <a:rPr lang="ru-RU" smtClean="0"/>
-              <a:t>01.05.2024</a:t>
+              <a:t>02.05.2024</a:t>
             </a:fld>
             <a:endParaRPr lang="ru-RU"/>
           </a:p>
@@ -896,7 +896,7 @@
           <a:p>
             <a:fld id="{350F0C20-CFD3-4AF7-AEC7-88B2922CA2AF}" type="datetimeFigureOut">
               <a:rPr lang="ru-RU" smtClean="0"/>
-              <a:t>01.05.2024</a:t>
+              <a:t>02.05.2024</a:t>
             </a:fld>
             <a:endParaRPr lang="ru-RU"/>
           </a:p>
@@ -1171,7 +1171,7 @@
           <a:p>
             <a:fld id="{350F0C20-CFD3-4AF7-AEC7-88B2922CA2AF}" type="datetimeFigureOut">
               <a:rPr lang="ru-RU" smtClean="0"/>
-              <a:t>01.05.2024</a:t>
+              <a:t>02.05.2024</a:t>
             </a:fld>
             <a:endParaRPr lang="ru-RU"/>
           </a:p>
@@ -1436,7 +1436,7 @@
           <a:p>
             <a:fld id="{350F0C20-CFD3-4AF7-AEC7-88B2922CA2AF}" type="datetimeFigureOut">
               <a:rPr lang="ru-RU" smtClean="0"/>
-              <a:t>01.05.2024</a:t>
+              <a:t>02.05.2024</a:t>
             </a:fld>
             <a:endParaRPr lang="ru-RU"/>
           </a:p>
@@ -1848,7 +1848,7 @@
           <a:p>
             <a:fld id="{350F0C20-CFD3-4AF7-AEC7-88B2922CA2AF}" type="datetimeFigureOut">
               <a:rPr lang="ru-RU" smtClean="0"/>
-              <a:t>01.05.2024</a:t>
+              <a:t>02.05.2024</a:t>
             </a:fld>
             <a:endParaRPr lang="ru-RU"/>
           </a:p>
@@ -1989,7 +1989,7 @@
           <a:p>
             <a:fld id="{350F0C20-CFD3-4AF7-AEC7-88B2922CA2AF}" type="datetimeFigureOut">
               <a:rPr lang="ru-RU" smtClean="0"/>
-              <a:t>01.05.2024</a:t>
+              <a:t>02.05.2024</a:t>
             </a:fld>
             <a:endParaRPr lang="ru-RU"/>
           </a:p>
@@ -2102,7 +2102,7 @@
           <a:p>
             <a:fld id="{350F0C20-CFD3-4AF7-AEC7-88B2922CA2AF}" type="datetimeFigureOut">
               <a:rPr lang="ru-RU" smtClean="0"/>
-              <a:t>01.05.2024</a:t>
+              <a:t>02.05.2024</a:t>
             </a:fld>
             <a:endParaRPr lang="ru-RU"/>
           </a:p>
@@ -2413,7 +2413,7 @@
           <a:p>
             <a:fld id="{350F0C20-CFD3-4AF7-AEC7-88B2922CA2AF}" type="datetimeFigureOut">
               <a:rPr lang="ru-RU" smtClean="0"/>
-              <a:t>01.05.2024</a:t>
+              <a:t>02.05.2024</a:t>
             </a:fld>
             <a:endParaRPr lang="ru-RU"/>
           </a:p>
@@ -2701,7 +2701,7 @@
           <a:p>
             <a:fld id="{350F0C20-CFD3-4AF7-AEC7-88B2922CA2AF}" type="datetimeFigureOut">
               <a:rPr lang="ru-RU" smtClean="0"/>
-              <a:t>01.05.2024</a:t>
+              <a:t>02.05.2024</a:t>
             </a:fld>
             <a:endParaRPr lang="ru-RU"/>
           </a:p>
@@ -2942,7 +2942,7 @@
           <a:p>
             <a:fld id="{350F0C20-CFD3-4AF7-AEC7-88B2922CA2AF}" type="datetimeFigureOut">
               <a:rPr lang="ru-RU" smtClean="0"/>
-              <a:t>01.05.2024</a:t>
+              <a:t>02.05.2024</a:t>
             </a:fld>
             <a:endParaRPr lang="ru-RU"/>
           </a:p>
@@ -4482,8 +4482,65 @@
                 <a:cs typeface="Arial"/>
                 <a:sym typeface="Arial"/>
               </a:rPr>
-              <a:t> item - itemid</a:t>
-            </a:r>
+              <a:t> </a:t>
+            </a:r>
+            <a:r>
+              <a:rPr lang="ru-RU" sz="2800" b="1" dirty="0" err="1">
+                <a:solidFill>
+                  <a:schemeClr val="dk1"/>
+                </a:solidFill>
+                <a:latin typeface="Arial"/>
+                <a:ea typeface="Arial"/>
+                <a:cs typeface="Arial"/>
+                <a:sym typeface="Arial"/>
+              </a:rPr>
+              <a:t>item</a:t>
+            </a:r>
+            <a:r>
+              <a:rPr lang="ru-RU" sz="2800" b="1" dirty="0">
+                <a:solidFill>
+                  <a:schemeClr val="dk1"/>
+                </a:solidFill>
+                <a:latin typeface="Arial"/>
+                <a:ea typeface="Arial"/>
+                <a:cs typeface="Arial"/>
+                <a:sym typeface="Arial"/>
+              </a:rPr>
+              <a:t> – </a:t>
+            </a:r>
+            <a:r>
+              <a:rPr lang="ru-RU" sz="2800" b="1" dirty="0" err="1">
+                <a:solidFill>
+                  <a:schemeClr val="dk1"/>
+                </a:solidFill>
+                <a:latin typeface="Arial"/>
+                <a:ea typeface="Arial"/>
+                <a:cs typeface="Arial"/>
+                <a:sym typeface="Arial"/>
+              </a:rPr>
+              <a:t>itemid</a:t>
+            </a:r>
+            <a:r>
+              <a:rPr lang="ru-RU" sz="2800" b="1">
+                <a:solidFill>
+                  <a:schemeClr val="dk1"/>
+                </a:solidFill>
+                <a:latin typeface="Arial"/>
+                <a:ea typeface="Arial"/>
+                <a:cs typeface="Arial"/>
+                <a:sym typeface="Arial"/>
+              </a:rPr>
+              <a:t>.</a:t>
+            </a:r>
+            <a:endParaRPr lang="ru-RU" sz="2800" b="1" dirty="0">
+              <a:solidFill>
+                <a:schemeClr val="dk1"/>
+              </a:solidFill>
+              <a:latin typeface="Arial"/>
+              <a:ea typeface="Arial"/>
+              <a:cs typeface="Arial"/>
+              <a:sym typeface="Arial"/>
+            </a:endParaRPr>
           </a:p>
           <a:p>
             <a:endParaRPr lang="ru-RU" dirty="0"/>
